--- a/lec_12_docker/lec_10_docker.pptx
+++ b/lec_12_docker/lec_10_docker.pptx
@@ -22,9 +22,9 @@
     <p:sldId id="269" r:id="rId16"/>
     <p:sldId id="270" r:id="rId17"/>
     <p:sldId id="271" r:id="rId18"/>
-    <p:sldId id="273" r:id="rId19"/>
-    <p:sldId id="274" r:id="rId20"/>
-    <p:sldId id="275" r:id="rId21"/>
+    <p:sldId id="274" r:id="rId19"/>
+    <p:sldId id="275" r:id="rId20"/>
+    <p:sldId id="273" r:id="rId21"/>
     <p:sldId id="276" r:id="rId22"/>
   </p:sldIdLst>
   <p:sldSz cx="12192000" cy="6858000"/>
@@ -124,6 +124,11 @@
       </a:defRPr>
     </a:lvl9pPr>
   </p:defaultTextStyle>
+  <p:extLst>
+    <p:ext uri="{EFAFB233-063F-42B5-8137-9DF3F51BA10A}">
+      <p15:sldGuideLst xmlns:p15="http://schemas.microsoft.com/office/powerpoint/2012/main"/>
+    </p:ext>
+  </p:extLst>
 </p:presentation>
 </file>
 
@@ -274,7 +279,7 @@
           <a:p>
             <a:fld id="{4F080A7E-163C-5D49-B793-2AE87CAAF20D}" type="datetimeFigureOut">
               <a:rPr lang="ru-RU" smtClean="0"/>
-              <a:t>28.02.2021</a:t>
+              <a:t>15.04.2021</a:t>
             </a:fld>
             <a:endParaRPr lang="ru-RU"/>
           </a:p>
@@ -472,7 +477,7 @@
           <a:p>
             <a:fld id="{4F080A7E-163C-5D49-B793-2AE87CAAF20D}" type="datetimeFigureOut">
               <a:rPr lang="ru-RU" smtClean="0"/>
-              <a:t>28.02.2021</a:t>
+              <a:t>15.04.2021</a:t>
             </a:fld>
             <a:endParaRPr lang="ru-RU"/>
           </a:p>
@@ -680,7 +685,7 @@
           <a:p>
             <a:fld id="{4F080A7E-163C-5D49-B793-2AE87CAAF20D}" type="datetimeFigureOut">
               <a:rPr lang="ru-RU" smtClean="0"/>
-              <a:t>28.02.2021</a:t>
+              <a:t>15.04.2021</a:t>
             </a:fld>
             <a:endParaRPr lang="ru-RU"/>
           </a:p>
@@ -878,7 +883,7 @@
           <a:p>
             <a:fld id="{4F080A7E-163C-5D49-B793-2AE87CAAF20D}" type="datetimeFigureOut">
               <a:rPr lang="ru-RU" smtClean="0"/>
-              <a:t>28.02.2021</a:t>
+              <a:t>15.04.2021</a:t>
             </a:fld>
             <a:endParaRPr lang="ru-RU"/>
           </a:p>
@@ -1153,7 +1158,7 @@
           <a:p>
             <a:fld id="{4F080A7E-163C-5D49-B793-2AE87CAAF20D}" type="datetimeFigureOut">
               <a:rPr lang="ru-RU" smtClean="0"/>
-              <a:t>28.02.2021</a:t>
+              <a:t>15.04.2021</a:t>
             </a:fld>
             <a:endParaRPr lang="ru-RU"/>
           </a:p>
@@ -1418,7 +1423,7 @@
           <a:p>
             <a:fld id="{4F080A7E-163C-5D49-B793-2AE87CAAF20D}" type="datetimeFigureOut">
               <a:rPr lang="ru-RU" smtClean="0"/>
-              <a:t>28.02.2021</a:t>
+              <a:t>15.04.2021</a:t>
             </a:fld>
             <a:endParaRPr lang="ru-RU"/>
           </a:p>
@@ -1830,7 +1835,7 @@
           <a:p>
             <a:fld id="{4F080A7E-163C-5D49-B793-2AE87CAAF20D}" type="datetimeFigureOut">
               <a:rPr lang="ru-RU" smtClean="0"/>
-              <a:t>28.02.2021</a:t>
+              <a:t>15.04.2021</a:t>
             </a:fld>
             <a:endParaRPr lang="ru-RU"/>
           </a:p>
@@ -1971,7 +1976,7 @@
           <a:p>
             <a:fld id="{4F080A7E-163C-5D49-B793-2AE87CAAF20D}" type="datetimeFigureOut">
               <a:rPr lang="ru-RU" smtClean="0"/>
-              <a:t>28.02.2021</a:t>
+              <a:t>15.04.2021</a:t>
             </a:fld>
             <a:endParaRPr lang="ru-RU"/>
           </a:p>
@@ -2084,7 +2089,7 @@
           <a:p>
             <a:fld id="{4F080A7E-163C-5D49-B793-2AE87CAAF20D}" type="datetimeFigureOut">
               <a:rPr lang="ru-RU" smtClean="0"/>
-              <a:t>28.02.2021</a:t>
+              <a:t>15.04.2021</a:t>
             </a:fld>
             <a:endParaRPr lang="ru-RU"/>
           </a:p>
@@ -2395,7 +2400,7 @@
           <a:p>
             <a:fld id="{4F080A7E-163C-5D49-B793-2AE87CAAF20D}" type="datetimeFigureOut">
               <a:rPr lang="ru-RU" smtClean="0"/>
-              <a:t>28.02.2021</a:t>
+              <a:t>15.04.2021</a:t>
             </a:fld>
             <a:endParaRPr lang="ru-RU"/>
           </a:p>
@@ -2683,7 +2688,7 @@
           <a:p>
             <a:fld id="{4F080A7E-163C-5D49-B793-2AE87CAAF20D}" type="datetimeFigureOut">
               <a:rPr lang="ru-RU" smtClean="0"/>
-              <a:t>28.02.2021</a:t>
+              <a:t>15.04.2021</a:t>
             </a:fld>
             <a:endParaRPr lang="ru-RU"/>
           </a:p>
@@ -2924,7 +2929,7 @@
           <a:p>
             <a:fld id="{4F080A7E-163C-5D49-B793-2AE87CAAF20D}" type="datetimeFigureOut">
               <a:rPr lang="ru-RU" smtClean="0"/>
-              <a:t>28.02.2021</a:t>
+              <a:t>15.04.2021</a:t>
             </a:fld>
             <a:endParaRPr lang="ru-RU"/>
           </a:p>
@@ -4948,7 +4953,7 @@
           <p:cNvPr id="2" name="Заголовок 1">
             <a:extLst>
               <a:ext uri="{FF2B5EF4-FFF2-40B4-BE49-F238E27FC236}">
-                <a16:creationId xmlns:a16="http://schemas.microsoft.com/office/drawing/2014/main" id="{66B5F60A-7DF8-D645-A482-BE5232A32447}"/>
+                <a16:creationId xmlns:a16="http://schemas.microsoft.com/office/drawing/2014/main" id="{627CC93C-9072-C047-9D41-5A3D72D0A02E}"/>
               </a:ext>
             </a:extLst>
           </p:cNvPr>
@@ -4965,95 +4970,131 @@
           <a:lstStyle/>
           <a:p>
             <a:r>
-              <a:rPr lang="en-US" dirty="0"/>
-              <a:t>Kubernetes</a:t>
-            </a:r>
+              <a:rPr lang="ru-RU" dirty="0"/>
+              <a:t>Еще раз</a:t>
+            </a:r>
+          </a:p>
+        </p:txBody>
+      </p:sp>
+      <p:sp>
+        <p:nvSpPr>
+          <p:cNvPr id="3" name="Объект 2">
+            <a:extLst>
+              <a:ext uri="{FF2B5EF4-FFF2-40B4-BE49-F238E27FC236}">
+                <a16:creationId xmlns:a16="http://schemas.microsoft.com/office/drawing/2014/main" id="{2064D103-538D-7243-A87C-6BBDF50128D5}"/>
+              </a:ext>
+            </a:extLst>
+          </p:cNvPr>
+          <p:cNvSpPr>
+            <a:spLocks noGrp="1"/>
+          </p:cNvSpPr>
+          <p:nvPr>
+            <p:ph idx="1"/>
+          </p:nvPr>
+        </p:nvSpPr>
+        <p:spPr/>
+        <p:txBody>
+          <a:bodyPr>
+            <a:normAutofit fontScale="77500" lnSpcReduction="20000"/>
+          </a:bodyPr>
+          <a:lstStyle/>
+          <a:p>
+            <a:r>
+              <a:rPr lang="ru-RU" dirty="0"/>
+              <a:t>Образы </a:t>
+            </a:r>
+            <a:r>
+              <a:rPr lang="en-US" dirty="0"/>
+              <a:t>Docker </a:t>
+            </a:r>
+            <a:r>
+              <a:rPr lang="ru-RU" dirty="0"/>
+              <a:t>являются результатом процесса их сборки, а контейнеры </a:t>
+            </a:r>
+            <a:r>
+              <a:rPr lang="en-US" dirty="0"/>
+              <a:t>Docker — </a:t>
+            </a:r>
+            <a:r>
+              <a:rPr lang="ru-RU" dirty="0"/>
+              <a:t>это выполняющиеся образы. В самом сердце </a:t>
+            </a:r>
+            <a:r>
+              <a:rPr lang="en-US" dirty="0"/>
+              <a:t>Docker </a:t>
+            </a:r>
+            <a:r>
+              <a:rPr lang="ru-RU" dirty="0"/>
+              <a:t>находятся файлы </a:t>
+            </a:r>
+            <a:r>
+              <a:rPr lang="en-US" dirty="0" err="1"/>
+              <a:t>Dockerfile</a:t>
+            </a:r>
+            <a:r>
+              <a:rPr lang="en-US" dirty="0"/>
+              <a:t>. </a:t>
+            </a:r>
+            <a:r>
+              <a:rPr lang="ru-RU" dirty="0"/>
+              <a:t>Подобные файлы сообщают </a:t>
+            </a:r>
+            <a:r>
+              <a:rPr lang="en-US" dirty="0"/>
+              <a:t>Docker </a:t>
+            </a:r>
+            <a:r>
+              <a:rPr lang="ru-RU" dirty="0"/>
+              <a:t>о том, как собирать образы, на основе которых создаются контейнеры.</a:t>
+            </a:r>
+            <a:br>
+              <a:rPr lang="ru-RU" dirty="0"/>
+            </a:br>
             <a:endParaRPr lang="ru-RU" dirty="0"/>
           </a:p>
-        </p:txBody>
-      </p:sp>
-      <p:sp>
-        <p:nvSpPr>
-          <p:cNvPr id="3" name="Объект 2">
-            <a:extLst>
-              <a:ext uri="{FF2B5EF4-FFF2-40B4-BE49-F238E27FC236}">
-                <a16:creationId xmlns:a16="http://schemas.microsoft.com/office/drawing/2014/main" id="{790EAF3C-7F95-4240-9C26-65E84077678A}"/>
-              </a:ext>
-            </a:extLst>
-          </p:cNvPr>
-          <p:cNvSpPr>
-            <a:spLocks noGrp="1"/>
-          </p:cNvSpPr>
-          <p:nvPr>
-            <p:ph idx="1"/>
-          </p:nvPr>
-        </p:nvSpPr>
-        <p:spPr/>
-        <p:txBody>
-          <a:bodyPr/>
-          <a:lstStyle/>
-          <a:p>
-            <a:r>
-              <a:rPr lang="en-US" u="sng" dirty="0">
-                <a:hlinkClick r:id="rId2"/>
-              </a:rPr>
-              <a:t>Kubernetes</a:t>
-            </a:r>
-            <a:r>
-              <a:rPr lang="en-US" dirty="0"/>
-              <a:t> — </a:t>
-            </a:r>
-            <a:r>
-              <a:rPr lang="ru-RU" dirty="0"/>
-              <a:t>это технология, которая позволяет автоматизировать развёртывание и масштабирование </a:t>
-            </a:r>
-            <a:r>
-              <a:rPr lang="ru-RU" dirty="0" err="1"/>
-              <a:t>контейнеризированных</a:t>
-            </a:r>
-            <a:r>
-              <a:rPr lang="ru-RU" dirty="0"/>
-              <a:t> приложений, а также управление ими. Это — бесспорный лидер рынка средств для </a:t>
-            </a:r>
-            <a:r>
-              <a:rPr lang="ru-RU" dirty="0" err="1"/>
-              <a:t>оркестрации</a:t>
-            </a:r>
-            <a:r>
-              <a:rPr lang="ru-RU" dirty="0"/>
-              <a:t> контейнеров. Если вам нужен инструмент для работы с группами контейнеров, для масштабирования решений, основанных на них, используйте не </a:t>
-            </a:r>
-            <a:r>
-              <a:rPr lang="en-US" dirty="0"/>
-              <a:t>Docker Swarm, </a:t>
-            </a:r>
-            <a:r>
-              <a:rPr lang="ru-RU" dirty="0"/>
-              <a:t>а </a:t>
-            </a:r>
-            <a:r>
-              <a:rPr lang="en-US" dirty="0"/>
-              <a:t>Kubernetes. Kubernetes </a:t>
-            </a:r>
-            <a:r>
-              <a:rPr lang="ru-RU" dirty="0"/>
-              <a:t>не является частью </a:t>
-            </a:r>
-            <a:r>
-              <a:rPr lang="en-US" dirty="0"/>
-              <a:t>Docker. </a:t>
-            </a:r>
-            <a:r>
-              <a:rPr lang="ru-RU" dirty="0"/>
-              <a:t>Они с </a:t>
-            </a:r>
-            <a:r>
-              <a:rPr lang="en-US" dirty="0"/>
-              <a:t>Docker, </a:t>
-            </a:r>
-            <a:r>
-              <a:rPr lang="ru-RU" dirty="0"/>
-              <a:t>скорее, похожи на лучших друзей.</a:t>
+          <a:p>
+            <a:r>
+              <a:rPr lang="ru-RU" dirty="0"/>
+              <a:t>Контейнеры состоят из слоёв. Каждый слой, кроме последнего, находящегося поверх всех остальных, предназначен только для чтения. </a:t>
+            </a:r>
+            <a:r>
+              <a:rPr lang="en-US" dirty="0" err="1"/>
+              <a:t>Dockerfile</a:t>
+            </a:r>
+            <a:r>
+              <a:rPr lang="en-US" dirty="0"/>
+              <a:t> </a:t>
+            </a:r>
+            <a:r>
+              <a:rPr lang="ru-RU" dirty="0"/>
+              <a:t>сообщает системе </a:t>
+            </a:r>
+            <a:r>
+              <a:rPr lang="en-US" dirty="0"/>
+              <a:t>Docker </a:t>
+            </a:r>
+            <a:r>
+              <a:rPr lang="ru-RU" dirty="0"/>
+              <a:t>о том, какие слои и в каком порядке надо добавить в образ.</a:t>
+            </a:r>
+            <a:br>
+              <a:rPr lang="ru-RU" dirty="0"/>
+            </a:br>
+            <a:br>
+              <a:rPr lang="ru-RU" dirty="0"/>
+            </a:br>
+            <a:r>
+              <a:rPr lang="ru-RU" dirty="0"/>
+              <a:t>Каждый слой это всего лишь файл, который описывает изменение состояния образа в сравнении с тем состоянием, в котором он пребывал после добавления предыдущего слоя. </a:t>
+            </a:r>
+          </a:p>
+          <a:p>
+            <a:br>
+              <a:rPr lang="ru-RU" dirty="0"/>
+            </a:br>
+            <a:r>
+              <a:rPr lang="ru-RU" dirty="0"/>
+              <a:t>Базовый образ — это то, что является исходным слоем (или слоями) создаваемого образа. Базовый образ ещё называют родительским образом.</a:t>
             </a:r>
           </a:p>
         </p:txBody>
@@ -5061,7 +5102,7 @@
     </p:spTree>
     <p:extLst>
       <p:ext uri="{BB962C8B-B14F-4D97-AF65-F5344CB8AC3E}">
-        <p14:creationId xmlns:p14="http://schemas.microsoft.com/office/powerpoint/2010/main" val="3373765730"/>
+        <p14:creationId xmlns:p14="http://schemas.microsoft.com/office/powerpoint/2010/main" val="2259423644"/>
       </p:ext>
     </p:extLst>
   </p:cSld>
@@ -5093,7 +5134,7 @@
           <p:cNvPr id="2" name="Заголовок 1">
             <a:extLst>
               <a:ext uri="{FF2B5EF4-FFF2-40B4-BE49-F238E27FC236}">
-                <a16:creationId xmlns:a16="http://schemas.microsoft.com/office/drawing/2014/main" id="{627CC93C-9072-C047-9D41-5A3D72D0A02E}"/>
+                <a16:creationId xmlns:a16="http://schemas.microsoft.com/office/drawing/2014/main" id="{5AB292C5-A030-FA43-83D1-69DFDA075DE0}"/>
               </a:ext>
             </a:extLst>
           </p:cNvPr>
@@ -5111,73 +5152,143 @@
           <a:p>
             <a:r>
               <a:rPr lang="ru-RU" dirty="0"/>
-              <a:t>Еще раз</a:t>
-            </a:r>
-          </a:p>
-        </p:txBody>
-      </p:sp>
-      <p:sp>
-        <p:nvSpPr>
-          <p:cNvPr id="3" name="Объект 2">
-            <a:extLst>
-              <a:ext uri="{FF2B5EF4-FFF2-40B4-BE49-F238E27FC236}">
-                <a16:creationId xmlns:a16="http://schemas.microsoft.com/office/drawing/2014/main" id="{2064D103-538D-7243-A87C-6BBDF50128D5}"/>
-              </a:ext>
-            </a:extLst>
-          </p:cNvPr>
-          <p:cNvSpPr>
-            <a:spLocks noGrp="1"/>
-          </p:cNvSpPr>
-          <p:nvPr>
-            <p:ph idx="1"/>
-          </p:nvPr>
-        </p:nvSpPr>
-        <p:spPr/>
-        <p:txBody>
-          <a:bodyPr>
-            <a:normAutofit fontScale="77500" lnSpcReduction="20000"/>
-          </a:bodyPr>
-          <a:lstStyle/>
-          <a:p>
-            <a:r>
-              <a:rPr lang="ru-RU" dirty="0"/>
-              <a:t>Образы </a:t>
-            </a:r>
-            <a:r>
-              <a:rPr lang="en-US" dirty="0"/>
-              <a:t>Docker </a:t>
-            </a:r>
-            <a:r>
-              <a:rPr lang="ru-RU" dirty="0"/>
-              <a:t>являются результатом процесса их сборки, а контейнеры </a:t>
-            </a:r>
-            <a:r>
-              <a:rPr lang="en-US" dirty="0"/>
-              <a:t>Docker — </a:t>
-            </a:r>
-            <a:r>
-              <a:rPr lang="ru-RU" dirty="0"/>
-              <a:t>это выполняющиеся образы. В самом сердце </a:t>
-            </a:r>
-            <a:r>
-              <a:rPr lang="en-US" dirty="0"/>
-              <a:t>Docker </a:t>
-            </a:r>
-            <a:r>
-              <a:rPr lang="ru-RU" dirty="0"/>
-              <a:t>находятся файлы </a:t>
+              <a:t>Инструкции </a:t>
             </a:r>
             <a:r>
               <a:rPr lang="en-US" dirty="0" err="1"/>
               <a:t>Dockerfile</a:t>
             </a:r>
-            <a:r>
-              <a:rPr lang="en-US" dirty="0"/>
-              <a:t>. </a:t>
-            </a:r>
-            <a:r>
-              <a:rPr lang="ru-RU" dirty="0"/>
-              <a:t>Подобные файлы сообщают </a:t>
+            <a:endParaRPr lang="ru-RU" dirty="0"/>
+          </a:p>
+        </p:txBody>
+      </p:sp>
+      <p:sp>
+        <p:nvSpPr>
+          <p:cNvPr id="3" name="Объект 2">
+            <a:extLst>
+              <a:ext uri="{FF2B5EF4-FFF2-40B4-BE49-F238E27FC236}">
+                <a16:creationId xmlns:a16="http://schemas.microsoft.com/office/drawing/2014/main" id="{72494160-65E3-C540-8C8C-0DD2842ADEE9}"/>
+              </a:ext>
+            </a:extLst>
+          </p:cNvPr>
+          <p:cNvSpPr>
+            <a:spLocks noGrp="1"/>
+          </p:cNvSpPr>
+          <p:nvPr>
+            <p:ph idx="1"/>
+          </p:nvPr>
+        </p:nvSpPr>
+        <p:spPr>
+          <a:xfrm>
+            <a:off x="838200" y="1825625"/>
+            <a:ext cx="10515600" cy="4667250"/>
+          </a:xfrm>
+        </p:spPr>
+        <p:txBody>
+          <a:bodyPr>
+            <a:normAutofit fontScale="62500" lnSpcReduction="20000"/>
+          </a:bodyPr>
+          <a:lstStyle/>
+          <a:p>
+            <a:r>
+              <a:rPr lang="en-US" dirty="0"/>
+              <a:t>FROM — </a:t>
+            </a:r>
+            <a:r>
+              <a:rPr lang="ru-RU" dirty="0"/>
+              <a:t>задаёт базовый (родительский) образ.</a:t>
+            </a:r>
+          </a:p>
+          <a:p>
+            <a:r>
+              <a:rPr lang="en-US" dirty="0"/>
+              <a:t>LABEL — </a:t>
+            </a:r>
+            <a:r>
+              <a:rPr lang="ru-RU" dirty="0"/>
+              <a:t>описывает метаданные. Например — сведения о том, кто создал и поддерживает образ.</a:t>
+            </a:r>
+          </a:p>
+          <a:p>
+            <a:r>
+              <a:rPr lang="en-US" dirty="0"/>
+              <a:t>ENV — </a:t>
+            </a:r>
+            <a:r>
+              <a:rPr lang="ru-RU" dirty="0"/>
+              <a:t>устанавливает постоянные переменные среды.</a:t>
+            </a:r>
+          </a:p>
+          <a:p>
+            <a:r>
+              <a:rPr lang="en-US" dirty="0"/>
+              <a:t>RUN — </a:t>
+            </a:r>
+            <a:r>
+              <a:rPr lang="ru-RU" dirty="0"/>
+              <a:t>выполняет команду и создаёт слой образа. Используется для установки в контейнер пакетов.</a:t>
+            </a:r>
+          </a:p>
+          <a:p>
+            <a:r>
+              <a:rPr lang="en-US" dirty="0"/>
+              <a:t>COPY — </a:t>
+            </a:r>
+            <a:r>
+              <a:rPr lang="ru-RU" dirty="0"/>
+              <a:t>копирует в контейнер файлы и папки.</a:t>
+            </a:r>
+          </a:p>
+          <a:p>
+            <a:r>
+              <a:rPr lang="en-US" dirty="0"/>
+              <a:t>ADD — </a:t>
+            </a:r>
+            <a:r>
+              <a:rPr lang="ru-RU" dirty="0"/>
+              <a:t>копирует файлы и папки в контейнер, может распаковывать локальные .</a:t>
+            </a:r>
+            <a:r>
+              <a:rPr lang="en-US" dirty="0"/>
+              <a:t>tar-</a:t>
+            </a:r>
+            <a:r>
+              <a:rPr lang="ru-RU" dirty="0"/>
+              <a:t>файлы.</a:t>
+            </a:r>
+          </a:p>
+          <a:p>
+            <a:r>
+              <a:rPr lang="en-US" dirty="0"/>
+              <a:t>CMD — </a:t>
+            </a:r>
+            <a:r>
+              <a:rPr lang="ru-RU" dirty="0"/>
+              <a:t>описывает команду с аргументами, которую нужно выполнить когда контейнер будет запущен. Аргументы могут быть переопределены при запуске контейнера. В файле может присутствовать лишь одна инструкция </a:t>
+            </a:r>
+            <a:r>
+              <a:rPr lang="en-US" dirty="0"/>
+              <a:t>CMD.</a:t>
+            </a:r>
+          </a:p>
+          <a:p>
+            <a:r>
+              <a:rPr lang="en-US" dirty="0"/>
+              <a:t>WORKDIR — </a:t>
+            </a:r>
+            <a:r>
+              <a:rPr lang="ru-RU" dirty="0"/>
+              <a:t>задаёт рабочую директорию для следующей инструкции.</a:t>
+            </a:r>
+          </a:p>
+          <a:p>
+            <a:r>
+              <a:rPr lang="en-US" dirty="0"/>
+              <a:t>ARG — </a:t>
+            </a:r>
+            <a:r>
+              <a:rPr lang="ru-RU" dirty="0"/>
+              <a:t>задаёт переменные для передачи </a:t>
             </a:r>
             <a:r>
               <a:rPr lang="en-US" dirty="0"/>
@@ -5185,56 +5296,37 @@
             </a:r>
             <a:r>
               <a:rPr lang="ru-RU" dirty="0"/>
-              <a:t>о том, как собирать образы, на основе которых создаются контейнеры.</a:t>
-            </a:r>
-            <a:br>
-              <a:rPr lang="ru-RU" dirty="0"/>
-            </a:br>
-            <a:endParaRPr lang="ru-RU" dirty="0"/>
-          </a:p>
-          <a:p>
-            <a:r>
-              <a:rPr lang="ru-RU" dirty="0"/>
-              <a:t>Контейнеры состоят из слоёв. Каждый слой, кроме последнего, находящегося поверх всех остальных, предназначен только для чтения. </a:t>
-            </a:r>
-            <a:r>
-              <a:rPr lang="en-US" dirty="0" err="1"/>
-              <a:t>Dockerfile</a:t>
-            </a:r>
-            <a:r>
-              <a:rPr lang="en-US" dirty="0"/>
-              <a:t> </a:t>
-            </a:r>
-            <a:r>
-              <a:rPr lang="ru-RU" dirty="0"/>
-              <a:t>сообщает системе </a:t>
-            </a:r>
-            <a:r>
-              <a:rPr lang="en-US" dirty="0"/>
-              <a:t>Docker </a:t>
-            </a:r>
-            <a:r>
-              <a:rPr lang="ru-RU" dirty="0"/>
-              <a:t>о том, какие слои и в каком порядке надо добавить в образ.</a:t>
-            </a:r>
-            <a:br>
-              <a:rPr lang="ru-RU" dirty="0"/>
-            </a:br>
-            <a:br>
-              <a:rPr lang="ru-RU" dirty="0"/>
-            </a:br>
-            <a:r>
-              <a:rPr lang="ru-RU" dirty="0"/>
-              <a:t>Каждый слой это всего лишь файл, который описывает изменение состояния образа в сравнении с тем состоянием, в котором он пребывал после добавления предыдущего слоя. </a:t>
-            </a:r>
-          </a:p>
-          <a:p>
-            <a:br>
-              <a:rPr lang="ru-RU" dirty="0"/>
-            </a:br>
-            <a:r>
-              <a:rPr lang="ru-RU" dirty="0"/>
-              <a:t>Базовый образ — это то, что является исходным слоем (или слоями) создаваемого образа. Базовый образ ещё называют родительским образом.</a:t>
+              <a:t>во время сборки образа.</a:t>
+            </a:r>
+          </a:p>
+          <a:p>
+            <a:r>
+              <a:rPr lang="en-US" dirty="0"/>
+              <a:t>ENTRYPOINT — </a:t>
+            </a:r>
+            <a:r>
+              <a:rPr lang="ru-RU" dirty="0"/>
+              <a:t>предоставляет команду с аргументами для вызова во время выполнения контейнера. Аргументы не переопределяются.</a:t>
+            </a:r>
+          </a:p>
+          <a:p>
+            <a:r>
+              <a:rPr lang="en-US" dirty="0"/>
+              <a:t>EXPOSE — </a:t>
+            </a:r>
+            <a:r>
+              <a:rPr lang="ru-RU" dirty="0"/>
+              <a:t>указывает на необходимость открыть порт.</a:t>
+            </a:r>
+          </a:p>
+          <a:p>
+            <a:r>
+              <a:rPr lang="en-US" dirty="0"/>
+              <a:t>VOLUME — </a:t>
+            </a:r>
+            <a:r>
+              <a:rPr lang="ru-RU" dirty="0"/>
+              <a:t>создаёт точку монтирования для работы с постоянным хранилищем.</a:t>
             </a:r>
           </a:p>
         </p:txBody>
@@ -5242,7 +5334,7 @@
     </p:spTree>
     <p:extLst>
       <p:ext uri="{BB962C8B-B14F-4D97-AF65-F5344CB8AC3E}">
-        <p14:creationId xmlns:p14="http://schemas.microsoft.com/office/powerpoint/2010/main" val="2259423644"/>
+        <p14:creationId xmlns:p14="http://schemas.microsoft.com/office/powerpoint/2010/main" val="4011447632"/>
       </p:ext>
     </p:extLst>
   </p:cSld>
@@ -5409,7 +5501,7 @@
           <p:cNvPr id="2" name="Заголовок 1">
             <a:extLst>
               <a:ext uri="{FF2B5EF4-FFF2-40B4-BE49-F238E27FC236}">
-                <a16:creationId xmlns:a16="http://schemas.microsoft.com/office/drawing/2014/main" id="{5AB292C5-A030-FA43-83D1-69DFDA075DE0}"/>
+                <a16:creationId xmlns:a16="http://schemas.microsoft.com/office/drawing/2014/main" id="{66B5F60A-7DF8-D645-A482-BE5232A32447}"/>
               </a:ext>
             </a:extLst>
           </p:cNvPr>
@@ -5426,12 +5518,8 @@
           <a:lstStyle/>
           <a:p>
             <a:r>
-              <a:rPr lang="ru-RU" dirty="0"/>
-              <a:t>Инструкции </a:t>
-            </a:r>
-            <a:r>
-              <a:rPr lang="en-US" dirty="0" err="1"/>
-              <a:t>Dockerfile</a:t>
+              <a:rPr lang="en-US" dirty="0"/>
+              <a:t>Kubernetes</a:t>
             </a:r>
             <a:endParaRPr lang="ru-RU" dirty="0"/>
           </a:p>
@@ -5442,7 +5530,7 @@
           <p:cNvPr id="3" name="Объект 2">
             <a:extLst>
               <a:ext uri="{FF2B5EF4-FFF2-40B4-BE49-F238E27FC236}">
-                <a16:creationId xmlns:a16="http://schemas.microsoft.com/office/drawing/2014/main" id="{72494160-65E3-C540-8C8C-0DD2842ADEE9}"/>
+                <a16:creationId xmlns:a16="http://schemas.microsoft.com/office/drawing/2014/main" id="{790EAF3C-7F95-4240-9C26-65E84077678A}"/>
               </a:ext>
             </a:extLst>
           </p:cNvPr>
@@ -5453,155 +5541,72 @@
             <p:ph idx="1"/>
           </p:nvPr>
         </p:nvSpPr>
-        <p:spPr>
-          <a:xfrm>
-            <a:off x="838200" y="1825625"/>
-            <a:ext cx="10515600" cy="4667250"/>
-          </a:xfrm>
-        </p:spPr>
-        <p:txBody>
-          <a:bodyPr>
-            <a:normAutofit fontScale="62500" lnSpcReduction="20000"/>
-          </a:bodyPr>
-          <a:lstStyle/>
-          <a:p>
-            <a:r>
-              <a:rPr lang="en-US" dirty="0"/>
-              <a:t>FROM — </a:t>
-            </a:r>
-            <a:r>
-              <a:rPr lang="ru-RU" dirty="0"/>
-              <a:t>задаёт базовый (родительский) образ.</a:t>
-            </a:r>
-          </a:p>
-          <a:p>
-            <a:r>
-              <a:rPr lang="en-US" dirty="0"/>
-              <a:t>LABEL — </a:t>
-            </a:r>
-            <a:r>
-              <a:rPr lang="ru-RU" dirty="0"/>
-              <a:t>описывает метаданные. Например — сведения о том, кто создал и поддерживает образ.</a:t>
-            </a:r>
-          </a:p>
-          <a:p>
-            <a:r>
-              <a:rPr lang="en-US" dirty="0"/>
-              <a:t>ENV — </a:t>
-            </a:r>
-            <a:r>
-              <a:rPr lang="ru-RU" dirty="0"/>
-              <a:t>устанавливает постоянные переменные среды.</a:t>
-            </a:r>
-          </a:p>
-          <a:p>
-            <a:r>
-              <a:rPr lang="en-US" dirty="0"/>
-              <a:t>RUN — </a:t>
-            </a:r>
-            <a:r>
-              <a:rPr lang="ru-RU" dirty="0"/>
-              <a:t>выполняет команду и создаёт слой образа. Используется для установки в контейнер пакетов.</a:t>
-            </a:r>
-          </a:p>
-          <a:p>
-            <a:r>
-              <a:rPr lang="en-US" dirty="0"/>
-              <a:t>COPY — </a:t>
-            </a:r>
-            <a:r>
-              <a:rPr lang="ru-RU" dirty="0"/>
-              <a:t>копирует в контейнер файлы и папки.</a:t>
-            </a:r>
-          </a:p>
-          <a:p>
-            <a:r>
-              <a:rPr lang="en-US" dirty="0"/>
-              <a:t>ADD — </a:t>
-            </a:r>
-            <a:r>
-              <a:rPr lang="ru-RU" dirty="0"/>
-              <a:t>копирует файлы и папки в контейнер, может распаковывать локальные .</a:t>
-            </a:r>
-            <a:r>
-              <a:rPr lang="en-US" dirty="0"/>
-              <a:t>tar-</a:t>
-            </a:r>
-            <a:r>
-              <a:rPr lang="ru-RU" dirty="0"/>
-              <a:t>файлы.</a:t>
-            </a:r>
-          </a:p>
-          <a:p>
-            <a:r>
-              <a:rPr lang="en-US" dirty="0"/>
-              <a:t>CMD — </a:t>
-            </a:r>
-            <a:r>
-              <a:rPr lang="ru-RU" dirty="0"/>
-              <a:t>описывает команду с аргументами, которую нужно выполнить когда контейнер будет запущен. Аргументы могут быть переопределены при запуске контейнера. В файле может присутствовать лишь одна инструкция </a:t>
-            </a:r>
-            <a:r>
-              <a:rPr lang="en-US" dirty="0"/>
-              <a:t>CMD.</a:t>
-            </a:r>
-          </a:p>
-          <a:p>
-            <a:r>
-              <a:rPr lang="en-US" dirty="0"/>
-              <a:t>WORKDIR — </a:t>
-            </a:r>
-            <a:r>
-              <a:rPr lang="ru-RU" dirty="0"/>
-              <a:t>задаёт рабочую директорию для следующей инструкции.</a:t>
-            </a:r>
-          </a:p>
-          <a:p>
-            <a:r>
-              <a:rPr lang="en-US" dirty="0"/>
-              <a:t>ARG — </a:t>
-            </a:r>
-            <a:r>
-              <a:rPr lang="ru-RU" dirty="0"/>
-              <a:t>задаёт переменные для передачи </a:t>
-            </a:r>
-            <a:r>
-              <a:rPr lang="en-US" dirty="0"/>
-              <a:t>Docker </a:t>
-            </a:r>
-            <a:r>
-              <a:rPr lang="ru-RU" dirty="0"/>
-              <a:t>во время сборки образа.</a:t>
-            </a:r>
-          </a:p>
-          <a:p>
-            <a:r>
-              <a:rPr lang="en-US" dirty="0"/>
-              <a:t>ENTRYPOINT — </a:t>
-            </a:r>
-            <a:r>
-              <a:rPr lang="ru-RU" dirty="0"/>
-              <a:t>предоставляет команду с аргументами для вызова во время выполнения контейнера. Аргументы не переопределяются.</a:t>
-            </a:r>
-          </a:p>
-          <a:p>
-            <a:r>
-              <a:rPr lang="en-US" dirty="0"/>
-              <a:t>EXPOSE — </a:t>
-            </a:r>
-            <a:r>
-              <a:rPr lang="ru-RU" dirty="0"/>
-              <a:t>указывает на необходимость открыть порт.</a:t>
-            </a:r>
-          </a:p>
-          <a:p>
-            <a:r>
-              <a:rPr lang="en-US" dirty="0"/>
-              <a:t>VOLUME — </a:t>
-            </a:r>
-            <a:r>
-              <a:rPr lang="ru-RU" dirty="0"/>
-              <a:t>создаёт точку монтирования для работы с постоянным хранилищем.</a:t>
+        <p:spPr/>
+        <p:txBody>
+          <a:bodyPr/>
+          <a:lstStyle/>
+          <a:p>
+            <a:r>
+              <a:rPr lang="en-US" u="sng" dirty="0">
+                <a:hlinkClick r:id="rId2"/>
+              </a:rPr>
+              <a:t>Kubernetes</a:t>
+            </a:r>
+            <a:r>
+              <a:rPr lang="en-US" dirty="0"/>
+              <a:t> — </a:t>
+            </a:r>
+            <a:r>
+              <a:rPr lang="ru-RU" dirty="0"/>
+              <a:t>это технология, которая позволяет автоматизировать развёртывание и масштабирование </a:t>
+            </a:r>
+            <a:r>
+              <a:rPr lang="ru-RU" dirty="0" err="1"/>
+              <a:t>контейнеризированных</a:t>
+            </a:r>
+            <a:r>
+              <a:rPr lang="ru-RU" dirty="0"/>
+              <a:t> приложений, а также управление ими. Это — бесспорный лидер рынка средств для </a:t>
+            </a:r>
+            <a:r>
+              <a:rPr lang="ru-RU" dirty="0" err="1"/>
+              <a:t>оркестрации</a:t>
+            </a:r>
+            <a:r>
+              <a:rPr lang="ru-RU" dirty="0"/>
+              <a:t> контейнеров. Если вам нужен инструмент для работы с группами контейнеров, для масштабирования решений, основанных на них, используйте не </a:t>
+            </a:r>
+            <a:r>
+              <a:rPr lang="en-US" dirty="0"/>
+              <a:t>Docker Swarm, </a:t>
+            </a:r>
+            <a:r>
+              <a:rPr lang="ru-RU" dirty="0"/>
+              <a:t>а </a:t>
+            </a:r>
+            <a:r>
+              <a:rPr lang="en-US" dirty="0"/>
+              <a:t>Kubernetes. Kubernetes </a:t>
+            </a:r>
+            <a:r>
+              <a:rPr lang="ru-RU" dirty="0"/>
+              <a:t>не является частью </a:t>
+            </a:r>
+            <a:r>
+              <a:rPr lang="en-US" dirty="0"/>
+              <a:t>Docker. </a:t>
+            </a:r>
+            <a:r>
+              <a:rPr lang="ru-RU" dirty="0"/>
+              <a:t>Они с </a:t>
+            </a:r>
+            <a:r>
+              <a:rPr lang="en-US" dirty="0"/>
+              <a:t>Docker, </a:t>
+            </a:r>
+            <a:r>
+              <a:rPr lang="ru-RU" dirty="0"/>
+              <a:t>скорее, похожи на лучших друзей.</a:t>
             </a:r>
           </a:p>
         </p:txBody>
@@ -5609,7 +5614,7 @@
     </p:spTree>
     <p:extLst>
       <p:ext uri="{BB962C8B-B14F-4D97-AF65-F5344CB8AC3E}">
-        <p14:creationId xmlns:p14="http://schemas.microsoft.com/office/powerpoint/2010/main" val="4011447632"/>
+        <p14:creationId xmlns:p14="http://schemas.microsoft.com/office/powerpoint/2010/main" val="3373765730"/>
       </p:ext>
     </p:extLst>
   </p:cSld>
